--- a/img/in-post/2020/2020-09-17/0917_resource.pptx
+++ b/img/in-post/2020/2020-09-17/0917_resource.pptx
@@ -17492,6 +17492,112 @@
           <a:chExt cx="0" cy="0"/>
         </a:xfrm>
       </p:grpSpPr>
+      <p:cxnSp>
+        <p:nvCxnSpPr>
+          <p:cNvPr id="174" name="직선 화살표 연결선 173">
+            <a:extLst>
+              <a:ext uri="{FF2B5EF4-FFF2-40B4-BE49-F238E27FC236}">
+                <a16:creationId xmlns:a16="http://schemas.microsoft.com/office/drawing/2014/main" id="{67B3FE82-8AB9-4722-8DB4-C0C65F2A10FA}"/>
+              </a:ext>
+            </a:extLst>
+          </p:cNvPr>
+          <p:cNvCxnSpPr>
+            <a:cxnSpLocks/>
+          </p:cNvCxnSpPr>
+          <p:nvPr/>
+        </p:nvCxnSpPr>
+        <p:spPr>
+          <a:xfrm flipH="1">
+            <a:off x="4368800" y="1759117"/>
+            <a:ext cx="2792730" cy="0"/>
+          </a:xfrm>
+          <a:prstGeom prst="straightConnector1">
+            <a:avLst/>
+          </a:prstGeom>
+          <a:ln w="63500">
+            <a:solidFill>
+              <a:schemeClr val="bg1">
+                <a:lumMod val="95000"/>
+              </a:schemeClr>
+            </a:solidFill>
+            <a:tailEnd type="triangle"/>
+          </a:ln>
+          <a:effectLst>
+            <a:outerShdw blurRad="50800" dist="38100" dir="10800000" algn="r" rotWithShape="0">
+              <a:prstClr val="black">
+                <a:alpha val="40000"/>
+              </a:prstClr>
+            </a:outerShdw>
+          </a:effectLst>
+        </p:spPr>
+        <p:style>
+          <a:lnRef idx="1">
+            <a:schemeClr val="accent1"/>
+          </a:lnRef>
+          <a:fillRef idx="0">
+            <a:schemeClr val="accent1"/>
+          </a:fillRef>
+          <a:effectRef idx="0">
+            <a:schemeClr val="accent1"/>
+          </a:effectRef>
+          <a:fontRef idx="minor">
+            <a:schemeClr val="tx1"/>
+          </a:fontRef>
+        </p:style>
+      </p:cxnSp>
+      <p:cxnSp>
+        <p:nvCxnSpPr>
+          <p:cNvPr id="177" name="직선 화살표 연결선 176">
+            <a:extLst>
+              <a:ext uri="{FF2B5EF4-FFF2-40B4-BE49-F238E27FC236}">
+                <a16:creationId xmlns:a16="http://schemas.microsoft.com/office/drawing/2014/main" id="{1E064B31-991D-48AD-843A-7BDAB006ED25}"/>
+              </a:ext>
+            </a:extLst>
+          </p:cNvPr>
+          <p:cNvCxnSpPr>
+            <a:cxnSpLocks/>
+          </p:cNvCxnSpPr>
+          <p:nvPr/>
+        </p:nvCxnSpPr>
+        <p:spPr>
+          <a:xfrm flipH="1">
+            <a:off x="4368800" y="2668058"/>
+            <a:ext cx="2792730" cy="0"/>
+          </a:xfrm>
+          <a:prstGeom prst="straightConnector1">
+            <a:avLst/>
+          </a:prstGeom>
+          <a:ln w="63500">
+            <a:solidFill>
+              <a:schemeClr val="bg1">
+                <a:lumMod val="95000"/>
+              </a:schemeClr>
+            </a:solidFill>
+            <a:tailEnd type="triangle"/>
+          </a:ln>
+          <a:effectLst>
+            <a:outerShdw blurRad="50800" dist="38100" dir="10800000" algn="r" rotWithShape="0">
+              <a:prstClr val="black">
+                <a:alpha val="40000"/>
+              </a:prstClr>
+            </a:outerShdw>
+          </a:effectLst>
+        </p:spPr>
+        <p:style>
+          <a:lnRef idx="1">
+            <a:schemeClr val="accent1"/>
+          </a:lnRef>
+          <a:fillRef idx="0">
+            <a:schemeClr val="accent1"/>
+          </a:fillRef>
+          <a:effectRef idx="0">
+            <a:schemeClr val="accent1"/>
+          </a:effectRef>
+          <a:fontRef idx="minor">
+            <a:schemeClr val="tx1"/>
+          </a:fontRef>
+        </p:style>
+      </p:cxnSp>
       <p:sp>
         <p:nvSpPr>
           <p:cNvPr id="4" name="직사각형 3">
@@ -20621,148 +20727,6 @@
           <a:p>
             <a:pPr algn="ctr"/>
             <a:endParaRPr lang="ko-KR" altLang="en-US"/>
-          </a:p>
-        </p:txBody>
-      </p:sp>
-      <p:sp>
-        <p:nvSpPr>
-          <p:cNvPr id="34" name="화살표: 오른쪽 33">
-            <a:extLst>
-              <a:ext uri="{FF2B5EF4-FFF2-40B4-BE49-F238E27FC236}">
-                <a16:creationId xmlns:a16="http://schemas.microsoft.com/office/drawing/2014/main" id="{B46C09BB-F749-4424-805D-FC501C8C277B}"/>
-              </a:ext>
-            </a:extLst>
-          </p:cNvPr>
-          <p:cNvSpPr/>
-          <p:nvPr/>
-        </p:nvSpPr>
-        <p:spPr>
-          <a:xfrm rot="10800000">
-            <a:off x="6574478" y="4324349"/>
-            <a:ext cx="476250" cy="352426"/>
-          </a:xfrm>
-          <a:prstGeom prst="rightArrow">
-            <a:avLst/>
-          </a:prstGeom>
-          <a:solidFill>
-            <a:schemeClr val="bg1">
-              <a:lumMod val="95000"/>
-            </a:schemeClr>
-          </a:solidFill>
-          <a:ln>
-            <a:solidFill>
-              <a:schemeClr val="bg1">
-                <a:lumMod val="85000"/>
-              </a:schemeClr>
-            </a:solidFill>
-          </a:ln>
-          <a:effectLst>
-            <a:outerShdw blurRad="50800" dist="38100" dir="8100000" algn="tr" rotWithShape="0">
-              <a:prstClr val="black">
-                <a:alpha val="40000"/>
-              </a:prstClr>
-            </a:outerShdw>
-          </a:effectLst>
-        </p:spPr>
-        <p:style>
-          <a:lnRef idx="2">
-            <a:schemeClr val="accent1">
-              <a:shade val="50000"/>
-            </a:schemeClr>
-          </a:lnRef>
-          <a:fillRef idx="1">
-            <a:schemeClr val="accent1"/>
-          </a:fillRef>
-          <a:effectRef idx="0">
-            <a:schemeClr val="accent1"/>
-          </a:effectRef>
-          <a:fontRef idx="minor">
-            <a:schemeClr val="lt1"/>
-          </a:fontRef>
-        </p:style>
-        <p:txBody>
-          <a:bodyPr rtlCol="0" anchor="ctr"/>
-          <a:lstStyle/>
-          <a:p>
-            <a:pPr algn="ctr"/>
-            <a:endParaRPr lang="ko-KR" altLang="en-US" sz="1400" b="1" dirty="0">
-              <a:solidFill>
-                <a:schemeClr val="tx1"/>
-              </a:solidFill>
-              <a:latin typeface="나눔스퀘어" panose="020B0600000101010101" pitchFamily="50" charset="-127"/>
-              <a:ea typeface="나눔스퀘어" panose="020B0600000101010101" pitchFamily="50" charset="-127"/>
-            </a:endParaRPr>
-          </a:p>
-        </p:txBody>
-      </p:sp>
-      <p:sp>
-        <p:nvSpPr>
-          <p:cNvPr id="112" name="화살표: 오른쪽 111">
-            <a:extLst>
-              <a:ext uri="{FF2B5EF4-FFF2-40B4-BE49-F238E27FC236}">
-                <a16:creationId xmlns:a16="http://schemas.microsoft.com/office/drawing/2014/main" id="{9B9D0417-B9B0-499E-B4C0-2E4D53955C5F}"/>
-              </a:ext>
-            </a:extLst>
-          </p:cNvPr>
-          <p:cNvSpPr/>
-          <p:nvPr/>
-        </p:nvSpPr>
-        <p:spPr>
-          <a:xfrm rot="10800000">
-            <a:off x="6574478" y="3408097"/>
-            <a:ext cx="476250" cy="352426"/>
-          </a:xfrm>
-          <a:prstGeom prst="rightArrow">
-            <a:avLst/>
-          </a:prstGeom>
-          <a:solidFill>
-            <a:schemeClr val="bg1">
-              <a:lumMod val="95000"/>
-            </a:schemeClr>
-          </a:solidFill>
-          <a:ln>
-            <a:solidFill>
-              <a:schemeClr val="bg1">
-                <a:lumMod val="85000"/>
-              </a:schemeClr>
-            </a:solidFill>
-          </a:ln>
-          <a:effectLst>
-            <a:outerShdw blurRad="50800" dist="38100" dir="8100000" algn="tr" rotWithShape="0">
-              <a:prstClr val="black">
-                <a:alpha val="40000"/>
-              </a:prstClr>
-            </a:outerShdw>
-          </a:effectLst>
-        </p:spPr>
-        <p:style>
-          <a:lnRef idx="2">
-            <a:schemeClr val="accent1">
-              <a:shade val="50000"/>
-            </a:schemeClr>
-          </a:lnRef>
-          <a:fillRef idx="1">
-            <a:schemeClr val="accent1"/>
-          </a:fillRef>
-          <a:effectRef idx="0">
-            <a:schemeClr val="accent1"/>
-          </a:effectRef>
-          <a:fontRef idx="minor">
-            <a:schemeClr val="lt1"/>
-          </a:fontRef>
-        </p:style>
-        <p:txBody>
-          <a:bodyPr rtlCol="0" anchor="ctr"/>
-          <a:lstStyle/>
-          <a:p>
-            <a:pPr algn="ctr"/>
-            <a:endParaRPr lang="ko-KR" altLang="en-US" sz="1400" b="1" dirty="0">
-              <a:solidFill>
-                <a:schemeClr val="tx1"/>
-              </a:solidFill>
-              <a:latin typeface="나눔스퀘어" panose="020B0600000101010101" pitchFamily="50" charset="-127"/>
-              <a:ea typeface="나눔스퀘어" panose="020B0600000101010101" pitchFamily="50" charset="-127"/>
-            </a:endParaRPr>
           </a:p>
         </p:txBody>
       </p:sp>
@@ -22780,126 +22744,12 @@
           </a:p>
         </p:txBody>
       </p:sp>
-      <p:sp>
-        <p:nvSpPr>
-          <p:cNvPr id="176" name="화살표: 오른쪽 175">
-            <a:extLst>
-              <a:ext uri="{FF2B5EF4-FFF2-40B4-BE49-F238E27FC236}">
-                <a16:creationId xmlns:a16="http://schemas.microsoft.com/office/drawing/2014/main" id="{A81AB021-4B2C-4493-A184-3F5A07787DEB}"/>
-              </a:ext>
-            </a:extLst>
-          </p:cNvPr>
-          <p:cNvSpPr/>
-          <p:nvPr/>
-        </p:nvSpPr>
-        <p:spPr>
-          <a:xfrm rot="10800000">
-            <a:off x="6574478" y="2491845"/>
-            <a:ext cx="476250" cy="352426"/>
-          </a:xfrm>
-          <a:prstGeom prst="rightArrow">
-            <a:avLst/>
-          </a:prstGeom>
-          <a:solidFill>
-            <a:schemeClr val="bg1">
-              <a:lumMod val="95000"/>
-            </a:schemeClr>
-          </a:solidFill>
-          <a:ln>
-            <a:solidFill>
-              <a:schemeClr val="bg1">
-                <a:lumMod val="85000"/>
-              </a:schemeClr>
-            </a:solidFill>
-          </a:ln>
-          <a:effectLst>
-            <a:outerShdw blurRad="50800" dist="38100" dir="8100000" algn="tr" rotWithShape="0">
-              <a:prstClr val="black">
-                <a:alpha val="40000"/>
-              </a:prstClr>
-            </a:outerShdw>
-          </a:effectLst>
-        </p:spPr>
-        <p:style>
-          <a:lnRef idx="2">
-            <a:schemeClr val="accent1">
-              <a:shade val="50000"/>
-            </a:schemeClr>
-          </a:lnRef>
-          <a:fillRef idx="1">
-            <a:schemeClr val="accent1"/>
-          </a:fillRef>
-          <a:effectRef idx="0">
-            <a:schemeClr val="accent1"/>
-          </a:effectRef>
-          <a:fontRef idx="minor">
-            <a:schemeClr val="lt1"/>
-          </a:fontRef>
-        </p:style>
-        <p:txBody>
-          <a:bodyPr rtlCol="0" anchor="ctr"/>
-          <a:lstStyle/>
-          <a:p>
-            <a:pPr algn="ctr"/>
-            <a:endParaRPr lang="ko-KR" altLang="en-US" sz="1400" b="1" dirty="0">
-              <a:solidFill>
-                <a:schemeClr val="tx1"/>
-              </a:solidFill>
-              <a:latin typeface="나눔스퀘어" panose="020B0600000101010101" pitchFamily="50" charset="-127"/>
-              <a:ea typeface="나눔스퀘어" panose="020B0600000101010101" pitchFamily="50" charset="-127"/>
-            </a:endParaRPr>
-          </a:p>
-        </p:txBody>
-      </p:sp>
-      <p:sp>
-        <p:nvSpPr>
-          <p:cNvPr id="178" name="TextBox 177">
-            <a:extLst>
-              <a:ext uri="{FF2B5EF4-FFF2-40B4-BE49-F238E27FC236}">
-                <a16:creationId xmlns:a16="http://schemas.microsoft.com/office/drawing/2014/main" id="{4841DD9A-04B4-4C72-9813-D707B237FBF1}"/>
-              </a:ext>
-            </a:extLst>
-          </p:cNvPr>
-          <p:cNvSpPr txBox="1"/>
-          <p:nvPr/>
-        </p:nvSpPr>
-        <p:spPr>
-          <a:xfrm>
-            <a:off x="5467792" y="2490496"/>
-            <a:ext cx="563433" cy="369332"/>
-          </a:xfrm>
-          <a:prstGeom prst="rect">
-            <a:avLst/>
-          </a:prstGeom>
-          <a:noFill/>
-        </p:spPr>
-        <p:txBody>
-          <a:bodyPr wrap="square" rtlCol="0">
-            <a:spAutoFit/>
-          </a:bodyPr>
-          <a:lstStyle/>
-          <a:p>
-            <a:pPr algn="ctr"/>
-            <a:r>
-              <a:rPr lang="en-US" altLang="ko-KR" b="1" dirty="0">
-                <a:latin typeface="나눔스퀘어" panose="020B0600000101010101" pitchFamily="50" charset="-127"/>
-                <a:ea typeface="나눔스퀘어" panose="020B0600000101010101" pitchFamily="50" charset="-127"/>
-              </a:rPr>
-              <a:t>…</a:t>
-            </a:r>
-            <a:endParaRPr lang="ko-KR" altLang="en-US" b="1" dirty="0">
-              <a:latin typeface="나눔스퀘어" panose="020B0600000101010101" pitchFamily="50" charset="-127"/>
-              <a:ea typeface="나눔스퀘어" panose="020B0600000101010101" pitchFamily="50" charset="-127"/>
-            </a:endParaRPr>
-          </a:p>
-        </p:txBody>
-      </p:sp>
       <p:cxnSp>
         <p:nvCxnSpPr>
-          <p:cNvPr id="179" name="직선 화살표 연결선 178">
-            <a:extLst>
-              <a:ext uri="{FF2B5EF4-FFF2-40B4-BE49-F238E27FC236}">
-                <a16:creationId xmlns:a16="http://schemas.microsoft.com/office/drawing/2014/main" id="{3B2237C4-7477-447E-91F4-FCCA67F9EF42}"/>
+          <p:cNvPr id="180" name="직선 화살표 연결선 179">
+            <a:extLst>
+              <a:ext uri="{FF2B5EF4-FFF2-40B4-BE49-F238E27FC236}">
+                <a16:creationId xmlns:a16="http://schemas.microsoft.com/office/drawing/2014/main" id="{5A43184E-1C7B-473A-B724-3D009EB36884}"/>
               </a:ext>
             </a:extLst>
           </p:cNvPr>
@@ -22909,62 +22759,9 @@
           <p:nvPr/>
         </p:nvCxnSpPr>
         <p:spPr>
-          <a:xfrm flipH="1" flipV="1">
-            <a:off x="4442540" y="2649726"/>
-            <a:ext cx="1025253" cy="18521"/>
-          </a:xfrm>
-          <a:prstGeom prst="straightConnector1">
-            <a:avLst/>
-          </a:prstGeom>
-          <a:ln w="63500">
-            <a:solidFill>
-              <a:schemeClr val="bg1">
-                <a:lumMod val="95000"/>
-              </a:schemeClr>
-            </a:solidFill>
-            <a:tailEnd type="triangle"/>
-          </a:ln>
-          <a:effectLst>
-            <a:outerShdw blurRad="50800" dist="38100" dir="10800000" algn="r" rotWithShape="0">
-              <a:prstClr val="black">
-                <a:alpha val="40000"/>
-              </a:prstClr>
-            </a:outerShdw>
-          </a:effectLst>
-        </p:spPr>
-        <p:style>
-          <a:lnRef idx="1">
-            <a:schemeClr val="accent1"/>
-          </a:lnRef>
-          <a:fillRef idx="0">
-            <a:schemeClr val="accent1"/>
-          </a:fillRef>
-          <a:effectRef idx="0">
-            <a:schemeClr val="accent1"/>
-          </a:effectRef>
-          <a:fontRef idx="minor">
-            <a:schemeClr val="tx1"/>
-          </a:fontRef>
-        </p:style>
-      </p:cxnSp>
-      <p:cxnSp>
-        <p:nvCxnSpPr>
-          <p:cNvPr id="180" name="직선 화살표 연결선 179">
-            <a:extLst>
-              <a:ext uri="{FF2B5EF4-FFF2-40B4-BE49-F238E27FC236}">
-                <a16:creationId xmlns:a16="http://schemas.microsoft.com/office/drawing/2014/main" id="{5A43184E-1C7B-473A-B724-3D009EB36884}"/>
-              </a:ext>
-            </a:extLst>
-          </p:cNvPr>
-          <p:cNvCxnSpPr>
-            <a:cxnSpLocks/>
-          </p:cNvCxnSpPr>
-          <p:nvPr/>
-        </p:nvCxnSpPr>
-        <p:spPr>
           <a:xfrm flipV="1">
-            <a:off x="5748431" y="2942343"/>
-            <a:ext cx="1078" cy="341543"/>
+            <a:off x="5748431" y="3106152"/>
+            <a:ext cx="0" cy="166037"/>
           </a:xfrm>
           <a:prstGeom prst="straightConnector1">
             <a:avLst/>
@@ -23695,219 +23492,6 @@
           </a:p>
         </p:txBody>
       </p:sp>
-      <p:sp>
-        <p:nvSpPr>
-          <p:cNvPr id="194" name="TextBox 193">
-            <a:extLst>
-              <a:ext uri="{FF2B5EF4-FFF2-40B4-BE49-F238E27FC236}">
-                <a16:creationId xmlns:a16="http://schemas.microsoft.com/office/drawing/2014/main" id="{D32451DB-3E7B-4DC1-9DF4-B374E345CE41}"/>
-              </a:ext>
-            </a:extLst>
-          </p:cNvPr>
-          <p:cNvSpPr txBox="1"/>
-          <p:nvPr/>
-        </p:nvSpPr>
-        <p:spPr>
-          <a:xfrm>
-            <a:off x="5467792" y="1576651"/>
-            <a:ext cx="563433" cy="369332"/>
-          </a:xfrm>
-          <a:prstGeom prst="rect">
-            <a:avLst/>
-          </a:prstGeom>
-          <a:noFill/>
-        </p:spPr>
-        <p:txBody>
-          <a:bodyPr wrap="square" rtlCol="0">
-            <a:spAutoFit/>
-          </a:bodyPr>
-          <a:lstStyle/>
-          <a:p>
-            <a:pPr algn="ctr"/>
-            <a:r>
-              <a:rPr lang="en-US" altLang="ko-KR" b="1" dirty="0">
-                <a:latin typeface="나눔스퀘어" panose="020B0600000101010101" pitchFamily="50" charset="-127"/>
-                <a:ea typeface="나눔스퀘어" panose="020B0600000101010101" pitchFamily="50" charset="-127"/>
-              </a:rPr>
-              <a:t>…</a:t>
-            </a:r>
-            <a:endParaRPr lang="ko-KR" altLang="en-US" b="1" dirty="0">
-              <a:latin typeface="나눔스퀘어" panose="020B0600000101010101" pitchFamily="50" charset="-127"/>
-              <a:ea typeface="나눔스퀘어" panose="020B0600000101010101" pitchFamily="50" charset="-127"/>
-            </a:endParaRPr>
-          </a:p>
-        </p:txBody>
-      </p:sp>
-      <p:cxnSp>
-        <p:nvCxnSpPr>
-          <p:cNvPr id="195" name="직선 화살표 연결선 194">
-            <a:extLst>
-              <a:ext uri="{FF2B5EF4-FFF2-40B4-BE49-F238E27FC236}">
-                <a16:creationId xmlns:a16="http://schemas.microsoft.com/office/drawing/2014/main" id="{673ECBEE-6AD2-481A-9A0F-AA32006722A8}"/>
-              </a:ext>
-            </a:extLst>
-          </p:cNvPr>
-          <p:cNvCxnSpPr>
-            <a:cxnSpLocks/>
-          </p:cNvCxnSpPr>
-          <p:nvPr/>
-        </p:nvCxnSpPr>
-        <p:spPr>
-          <a:xfrm flipH="1">
-            <a:off x="4442540" y="1754402"/>
-            <a:ext cx="1025253" cy="4715"/>
-          </a:xfrm>
-          <a:prstGeom prst="straightConnector1">
-            <a:avLst/>
-          </a:prstGeom>
-          <a:ln w="63500">
-            <a:solidFill>
-              <a:schemeClr val="bg1">
-                <a:lumMod val="95000"/>
-              </a:schemeClr>
-            </a:solidFill>
-            <a:tailEnd type="triangle"/>
-          </a:ln>
-          <a:effectLst>
-            <a:outerShdw blurRad="50800" dist="38100" dir="10800000" algn="r" rotWithShape="0">
-              <a:prstClr val="black">
-                <a:alpha val="40000"/>
-              </a:prstClr>
-            </a:outerShdw>
-          </a:effectLst>
-        </p:spPr>
-        <p:style>
-          <a:lnRef idx="1">
-            <a:schemeClr val="accent1"/>
-          </a:lnRef>
-          <a:fillRef idx="0">
-            <a:schemeClr val="accent1"/>
-          </a:fillRef>
-          <a:effectRef idx="0">
-            <a:schemeClr val="accent1"/>
-          </a:effectRef>
-          <a:fontRef idx="minor">
-            <a:schemeClr val="tx1"/>
-          </a:fontRef>
-        </p:style>
-      </p:cxnSp>
-      <p:sp>
-        <p:nvSpPr>
-          <p:cNvPr id="196" name="화살표: 오른쪽 195">
-            <a:extLst>
-              <a:ext uri="{FF2B5EF4-FFF2-40B4-BE49-F238E27FC236}">
-                <a16:creationId xmlns:a16="http://schemas.microsoft.com/office/drawing/2014/main" id="{AF3E6001-E573-411A-A5CB-824B7863953E}"/>
-              </a:ext>
-            </a:extLst>
-          </p:cNvPr>
-          <p:cNvSpPr/>
-          <p:nvPr/>
-        </p:nvSpPr>
-        <p:spPr>
-          <a:xfrm rot="10800000">
-            <a:off x="6574478" y="1569175"/>
-            <a:ext cx="476250" cy="352426"/>
-          </a:xfrm>
-          <a:prstGeom prst="rightArrow">
-            <a:avLst/>
-          </a:prstGeom>
-          <a:solidFill>
-            <a:schemeClr val="bg1">
-              <a:lumMod val="95000"/>
-            </a:schemeClr>
-          </a:solidFill>
-          <a:ln>
-            <a:solidFill>
-              <a:schemeClr val="bg1">
-                <a:lumMod val="85000"/>
-              </a:schemeClr>
-            </a:solidFill>
-          </a:ln>
-          <a:effectLst>
-            <a:outerShdw blurRad="50800" dist="38100" dir="8100000" algn="tr" rotWithShape="0">
-              <a:prstClr val="black">
-                <a:alpha val="40000"/>
-              </a:prstClr>
-            </a:outerShdw>
-          </a:effectLst>
-        </p:spPr>
-        <p:style>
-          <a:lnRef idx="2">
-            <a:schemeClr val="accent1">
-              <a:shade val="50000"/>
-            </a:schemeClr>
-          </a:lnRef>
-          <a:fillRef idx="1">
-            <a:schemeClr val="accent1"/>
-          </a:fillRef>
-          <a:effectRef idx="0">
-            <a:schemeClr val="accent1"/>
-          </a:effectRef>
-          <a:fontRef idx="minor">
-            <a:schemeClr val="lt1"/>
-          </a:fontRef>
-        </p:style>
-        <p:txBody>
-          <a:bodyPr rtlCol="0" anchor="ctr"/>
-          <a:lstStyle/>
-          <a:p>
-            <a:pPr algn="ctr"/>
-            <a:endParaRPr lang="ko-KR" altLang="en-US" sz="1400" b="1" dirty="0">
-              <a:solidFill>
-                <a:schemeClr val="tx1"/>
-              </a:solidFill>
-              <a:latin typeface="나눔스퀘어" panose="020B0600000101010101" pitchFamily="50" charset="-127"/>
-              <a:ea typeface="나눔스퀘어" panose="020B0600000101010101" pitchFamily="50" charset="-127"/>
-            </a:endParaRPr>
-          </a:p>
-        </p:txBody>
-      </p:sp>
-      <p:cxnSp>
-        <p:nvCxnSpPr>
-          <p:cNvPr id="197" name="직선 화살표 연결선 196">
-            <a:extLst>
-              <a:ext uri="{FF2B5EF4-FFF2-40B4-BE49-F238E27FC236}">
-                <a16:creationId xmlns:a16="http://schemas.microsoft.com/office/drawing/2014/main" id="{FF1A3C58-16D1-4925-A323-F0D1F53F8E0B}"/>
-              </a:ext>
-            </a:extLst>
-          </p:cNvPr>
-          <p:cNvCxnSpPr>
-            <a:cxnSpLocks/>
-          </p:cNvCxnSpPr>
-          <p:nvPr/>
-        </p:nvCxnSpPr>
-        <p:spPr>
-          <a:xfrm flipV="1">
-            <a:off x="5748431" y="2027808"/>
-            <a:ext cx="1078" cy="341543"/>
-          </a:xfrm>
-          <a:prstGeom prst="straightConnector1">
-            <a:avLst/>
-          </a:prstGeom>
-          <a:ln w="19050">
-            <a:solidFill>
-              <a:schemeClr val="bg2">
-                <a:lumMod val="50000"/>
-              </a:schemeClr>
-            </a:solidFill>
-            <a:tailEnd type="triangle"/>
-          </a:ln>
-        </p:spPr>
-        <p:style>
-          <a:lnRef idx="1">
-            <a:schemeClr val="accent1"/>
-          </a:lnRef>
-          <a:fillRef idx="0">
-            <a:schemeClr val="accent1"/>
-          </a:fillRef>
-          <a:effectRef idx="0">
-            <a:schemeClr val="accent1"/>
-          </a:effectRef>
-          <a:fontRef idx="minor">
-            <a:schemeClr val="tx1"/>
-          </a:fontRef>
-        </p:style>
-      </p:cxnSp>
       <p:cxnSp>
         <p:nvCxnSpPr>
           <p:cNvPr id="199" name="직선 화살표 연결선 198">
@@ -25669,52 +25253,6 @@
           </a:p>
         </p:txBody>
       </p:sp>
-      <p:cxnSp>
-        <p:nvCxnSpPr>
-          <p:cNvPr id="277" name="직선 화살표 연결선 276">
-            <a:extLst>
-              <a:ext uri="{FF2B5EF4-FFF2-40B4-BE49-F238E27FC236}">
-                <a16:creationId xmlns:a16="http://schemas.microsoft.com/office/drawing/2014/main" id="{6BCB401A-E356-4E61-B380-B1FA76D48CA8}"/>
-              </a:ext>
-            </a:extLst>
-          </p:cNvPr>
-          <p:cNvCxnSpPr>
-            <a:cxnSpLocks/>
-          </p:cNvCxnSpPr>
-          <p:nvPr/>
-        </p:nvCxnSpPr>
-        <p:spPr>
-          <a:xfrm flipV="1">
-            <a:off x="5748431" y="1226249"/>
-            <a:ext cx="1078" cy="341543"/>
-          </a:xfrm>
-          <a:prstGeom prst="straightConnector1">
-            <a:avLst/>
-          </a:prstGeom>
-          <a:ln w="19050">
-            <a:solidFill>
-              <a:schemeClr val="bg2">
-                <a:lumMod val="50000"/>
-              </a:schemeClr>
-            </a:solidFill>
-            <a:tailEnd type="triangle"/>
-          </a:ln>
-        </p:spPr>
-        <p:style>
-          <a:lnRef idx="1">
-            <a:schemeClr val="accent1"/>
-          </a:lnRef>
-          <a:fillRef idx="0">
-            <a:schemeClr val="accent1"/>
-          </a:fillRef>
-          <a:effectRef idx="0">
-            <a:schemeClr val="accent1"/>
-          </a:effectRef>
-          <a:fontRef idx="minor">
-            <a:schemeClr val="tx1"/>
-          </a:fontRef>
-        </p:style>
-      </p:cxnSp>
       <p:sp>
         <p:nvSpPr>
           <p:cNvPr id="279" name="TextBox 278">
@@ -25778,6 +25316,236 @@
           <a:xfrm flipV="1">
             <a:off x="4166020" y="1203389"/>
             <a:ext cx="1078" cy="341543"/>
+          </a:xfrm>
+          <a:prstGeom prst="straightConnector1">
+            <a:avLst/>
+          </a:prstGeom>
+          <a:ln w="19050">
+            <a:solidFill>
+              <a:schemeClr val="bg2">
+                <a:lumMod val="50000"/>
+              </a:schemeClr>
+            </a:solidFill>
+            <a:tailEnd type="triangle"/>
+          </a:ln>
+        </p:spPr>
+        <p:style>
+          <a:lnRef idx="1">
+            <a:schemeClr val="accent1"/>
+          </a:lnRef>
+          <a:fillRef idx="0">
+            <a:schemeClr val="accent1"/>
+          </a:fillRef>
+          <a:effectRef idx="0">
+            <a:schemeClr val="accent1"/>
+          </a:effectRef>
+          <a:fontRef idx="minor">
+            <a:schemeClr val="tx1"/>
+          </a:fontRef>
+        </p:style>
+      </p:cxnSp>
+      <p:cxnSp>
+        <p:nvCxnSpPr>
+          <p:cNvPr id="12" name="직선 연결선 11">
+            <a:extLst>
+              <a:ext uri="{FF2B5EF4-FFF2-40B4-BE49-F238E27FC236}">
+                <a16:creationId xmlns:a16="http://schemas.microsoft.com/office/drawing/2014/main" id="{6035C220-4E32-48C9-9907-A76143A5E2F8}"/>
+              </a:ext>
+            </a:extLst>
+          </p:cNvPr>
+          <p:cNvCxnSpPr>
+            <a:cxnSpLocks/>
+          </p:cNvCxnSpPr>
+          <p:nvPr/>
+        </p:nvCxnSpPr>
+        <p:spPr>
+          <a:xfrm>
+            <a:off x="6459702" y="3272189"/>
+            <a:ext cx="701827" cy="130513"/>
+          </a:xfrm>
+          <a:prstGeom prst="line">
+            <a:avLst/>
+          </a:prstGeom>
+          <a:ln w="19050">
+            <a:solidFill>
+              <a:schemeClr val="bg2">
+                <a:lumMod val="90000"/>
+              </a:schemeClr>
+            </a:solidFill>
+            <a:prstDash val="sysDot"/>
+          </a:ln>
+        </p:spPr>
+        <p:style>
+          <a:lnRef idx="1">
+            <a:schemeClr val="accent1"/>
+          </a:lnRef>
+          <a:fillRef idx="0">
+            <a:schemeClr val="accent1"/>
+          </a:fillRef>
+          <a:effectRef idx="0">
+            <a:schemeClr val="accent1"/>
+          </a:effectRef>
+          <a:fontRef idx="minor">
+            <a:schemeClr val="tx1"/>
+          </a:fontRef>
+        </p:style>
+      </p:cxnSp>
+      <p:cxnSp>
+        <p:nvCxnSpPr>
+          <p:cNvPr id="31" name="직선 연결선 30">
+            <a:extLst>
+              <a:ext uri="{FF2B5EF4-FFF2-40B4-BE49-F238E27FC236}">
+                <a16:creationId xmlns:a16="http://schemas.microsoft.com/office/drawing/2014/main" id="{27F8A00A-F367-47DE-A288-9EA53464FE8C}"/>
+              </a:ext>
+            </a:extLst>
+          </p:cNvPr>
+          <p:cNvCxnSpPr>
+            <a:cxnSpLocks/>
+          </p:cNvCxnSpPr>
+          <p:nvPr/>
+        </p:nvCxnSpPr>
+        <p:spPr>
+          <a:xfrm flipV="1">
+            <a:off x="6459702" y="3760522"/>
+            <a:ext cx="701827" cy="143414"/>
+          </a:xfrm>
+          <a:prstGeom prst="line">
+            <a:avLst/>
+          </a:prstGeom>
+          <a:ln w="19050">
+            <a:solidFill>
+              <a:schemeClr val="bg2">
+                <a:lumMod val="90000"/>
+              </a:schemeClr>
+            </a:solidFill>
+            <a:prstDash val="sysDot"/>
+          </a:ln>
+        </p:spPr>
+        <p:style>
+          <a:lnRef idx="1">
+            <a:schemeClr val="accent1"/>
+          </a:lnRef>
+          <a:fillRef idx="0">
+            <a:schemeClr val="accent1"/>
+          </a:fillRef>
+          <a:effectRef idx="0">
+            <a:schemeClr val="accent1"/>
+          </a:effectRef>
+          <a:fontRef idx="minor">
+            <a:schemeClr val="tx1"/>
+          </a:fontRef>
+        </p:style>
+      </p:cxnSp>
+      <p:cxnSp>
+        <p:nvCxnSpPr>
+          <p:cNvPr id="38" name="직선 연결선 37">
+            <a:extLst>
+              <a:ext uri="{FF2B5EF4-FFF2-40B4-BE49-F238E27FC236}">
+                <a16:creationId xmlns:a16="http://schemas.microsoft.com/office/drawing/2014/main" id="{87799835-2EB4-4234-8106-1106BA00D55E}"/>
+              </a:ext>
+            </a:extLst>
+          </p:cNvPr>
+          <p:cNvCxnSpPr>
+            <a:cxnSpLocks/>
+          </p:cNvCxnSpPr>
+          <p:nvPr/>
+        </p:nvCxnSpPr>
+        <p:spPr>
+          <a:xfrm>
+            <a:off x="6459702" y="3972564"/>
+            <a:ext cx="701827" cy="351786"/>
+          </a:xfrm>
+          <a:prstGeom prst="line">
+            <a:avLst/>
+          </a:prstGeom>
+          <a:ln w="19050">
+            <a:solidFill>
+              <a:schemeClr val="bg2">
+                <a:lumMod val="90000"/>
+              </a:schemeClr>
+            </a:solidFill>
+            <a:prstDash val="sysDot"/>
+          </a:ln>
+        </p:spPr>
+        <p:style>
+          <a:lnRef idx="1">
+            <a:schemeClr val="accent1"/>
+          </a:lnRef>
+          <a:fillRef idx="0">
+            <a:schemeClr val="accent1"/>
+          </a:fillRef>
+          <a:effectRef idx="0">
+            <a:schemeClr val="accent1"/>
+          </a:effectRef>
+          <a:fontRef idx="minor">
+            <a:schemeClr val="tx1"/>
+          </a:fontRef>
+        </p:style>
+      </p:cxnSp>
+      <p:cxnSp>
+        <p:nvCxnSpPr>
+          <p:cNvPr id="43" name="직선 연결선 42">
+            <a:extLst>
+              <a:ext uri="{FF2B5EF4-FFF2-40B4-BE49-F238E27FC236}">
+                <a16:creationId xmlns:a16="http://schemas.microsoft.com/office/drawing/2014/main" id="{673E192B-6BF2-4262-80CF-A5FDBA3327A0}"/>
+              </a:ext>
+            </a:extLst>
+          </p:cNvPr>
+          <p:cNvCxnSpPr>
+            <a:cxnSpLocks/>
+          </p:cNvCxnSpPr>
+          <p:nvPr/>
+        </p:nvCxnSpPr>
+        <p:spPr>
+          <a:xfrm flipV="1">
+            <a:off x="6459702" y="4676775"/>
+            <a:ext cx="701827" cy="499621"/>
+          </a:xfrm>
+          <a:prstGeom prst="line">
+            <a:avLst/>
+          </a:prstGeom>
+          <a:ln w="19050">
+            <a:solidFill>
+              <a:schemeClr val="bg2">
+                <a:lumMod val="90000"/>
+              </a:schemeClr>
+            </a:solidFill>
+            <a:prstDash val="sysDot"/>
+          </a:ln>
+        </p:spPr>
+        <p:style>
+          <a:lnRef idx="1">
+            <a:schemeClr val="accent1"/>
+          </a:lnRef>
+          <a:fillRef idx="0">
+            <a:schemeClr val="accent1"/>
+          </a:fillRef>
+          <a:effectRef idx="0">
+            <a:schemeClr val="accent1"/>
+          </a:effectRef>
+          <a:fontRef idx="minor">
+            <a:schemeClr val="tx1"/>
+          </a:fontRef>
+        </p:style>
+      </p:cxnSp>
+      <p:cxnSp>
+        <p:nvCxnSpPr>
+          <p:cNvPr id="198" name="직선 화살표 연결선 197">
+            <a:extLst>
+              <a:ext uri="{FF2B5EF4-FFF2-40B4-BE49-F238E27FC236}">
+                <a16:creationId xmlns:a16="http://schemas.microsoft.com/office/drawing/2014/main" id="{3B05B26B-5FD7-4C81-B5D3-8F8F742FCAD1}"/>
+              </a:ext>
+            </a:extLst>
+          </p:cNvPr>
+          <p:cNvCxnSpPr>
+            <a:cxnSpLocks/>
+          </p:cNvCxnSpPr>
+          <p:nvPr/>
+        </p:nvCxnSpPr>
+        <p:spPr>
+          <a:xfrm flipV="1">
+            <a:off x="5748431" y="5074043"/>
+            <a:ext cx="0" cy="166037"/>
           </a:xfrm>
           <a:prstGeom prst="straightConnector1">
             <a:avLst/>
